--- a/SoS/conf2023/231215_横幹連合コンファレンス_熊谷.pptx
+++ b/SoS/conf2023/231215_横幹連合コンファレンス_熊谷.pptx
@@ -221,7 +221,7 @@
           <a:p>
             <a:fld id="{82150B36-03E6-4D3A-8098-12EB1C30C067}" type="datetimeFigureOut">
               <a:rPr kumimoji="1" lang="ja-JP" altLang="en-US" smtClean="0"/>
-              <a:t>2023/12/14</a:t>
+              <a:t>2023/12/15</a:t>
             </a:fld>
             <a:endParaRPr kumimoji="1" lang="ja-JP" altLang="en-US"/>
           </a:p>
@@ -19743,6 +19743,84 @@
           </a:prstGeom>
         </p:spPr>
       </p:pic>
+      <p:sp>
+        <p:nvSpPr>
+          <p:cNvPr id="2" name="吹き出し: 四角形 1">
+            <a:extLst>
+              <a:ext uri="{FF2B5EF4-FFF2-40B4-BE49-F238E27FC236}">
+                <a16:creationId xmlns:a16="http://schemas.microsoft.com/office/drawing/2014/main" id="{C8F985AA-FDAD-3A1D-2BDA-38B1864539BA}"/>
+              </a:ext>
+            </a:extLst>
+          </p:cNvPr>
+          <p:cNvSpPr/>
+          <p:nvPr/>
+        </p:nvSpPr>
+        <p:spPr>
+          <a:xfrm>
+            <a:off x="5459221" y="-632217"/>
+            <a:ext cx="6142013" cy="705026"/>
+          </a:xfrm>
+          <a:prstGeom prst="wedgeRectCallout">
+            <a:avLst>
+              <a:gd name="adj1" fmla="val -34120"/>
+              <a:gd name="adj2" fmla="val 145365"/>
+            </a:avLst>
+          </a:prstGeom>
+          <a:solidFill>
+            <a:schemeClr val="bg1"/>
+          </a:solidFill>
+        </p:spPr>
+        <p:style>
+          <a:lnRef idx="2">
+            <a:schemeClr val="accent1">
+              <a:shade val="50000"/>
+            </a:schemeClr>
+          </a:lnRef>
+          <a:fillRef idx="1">
+            <a:schemeClr val="accent1"/>
+          </a:fillRef>
+          <a:effectRef idx="0">
+            <a:schemeClr val="accent1"/>
+          </a:effectRef>
+          <a:fontRef idx="minor">
+            <a:schemeClr val="lt1"/>
+          </a:fontRef>
+        </p:style>
+        <p:txBody>
+          <a:bodyPr rtlCol="0" anchor="ctr"/>
+          <a:lstStyle/>
+          <a:p>
+            <a:pPr rtl="0"/>
+            <a:r>
+              <a:rPr lang="en-US" altLang="ja-JP" sz="1600" dirty="0">
+                <a:solidFill>
+                  <a:schemeClr val="tx1"/>
+                </a:solidFill>
+              </a:rPr>
+              <a:t>p17</a:t>
+            </a:r>
+            <a:r>
+              <a:rPr lang="ja-JP" altLang="en-US" sz="1600" dirty="0">
+                <a:solidFill>
+                  <a:schemeClr val="tx1"/>
+                </a:solidFill>
+              </a:rPr>
+              <a:t>はビジーなので、分けてもいいのではいいかなと思います。</a:t>
+            </a:r>
+          </a:p>
+          <a:p>
+            <a:pPr rtl="0"/>
+            <a:r>
+              <a:rPr lang="ja-JP" altLang="en-US" sz="1600" dirty="0">
+                <a:solidFill>
+                  <a:schemeClr val="tx1"/>
+                </a:solidFill>
+              </a:rPr>
+              <a:t>「人間の”労働範囲”」だけだと物理的に働く場所だけのイメージにならないでしょうか。”内容”も付け加えた方が良いかと思います。</a:t>
+            </a:r>
+          </a:p>
+        </p:txBody>
+      </p:sp>
     </p:spTree>
     <p:extLst>
       <p:ext uri="{BB962C8B-B14F-4D97-AF65-F5344CB8AC3E}">
@@ -27614,7 +27692,7 @@
             </a:r>
             <a:r>
               <a:rPr lang="ja-JP" altLang="en-US" dirty="0"/>
-              <a:t>やサステナビリティ目標の達成に向けて、重点的な取り組みや業界構造が変容している。</a:t>
+              <a:t>やサステナビリティ目標の達成に向けて、重点的な取り組みやその業界構造が変容している。</a:t>
             </a:r>
             <a:endParaRPr lang="en-US" altLang="ja-JP" dirty="0"/>
           </a:p>
@@ -27795,6 +27873,65 @@
                 <a:schemeClr val="bg1"/>
               </a:solidFill>
             </a:endParaRPr>
+          </a:p>
+        </p:txBody>
+      </p:sp>
+      <p:sp>
+        <p:nvSpPr>
+          <p:cNvPr id="2" name="吹き出し: 四角形 1">
+            <a:extLst>
+              <a:ext uri="{FF2B5EF4-FFF2-40B4-BE49-F238E27FC236}">
+                <a16:creationId xmlns:a16="http://schemas.microsoft.com/office/drawing/2014/main" id="{2E84529A-28ED-AF7D-8238-6A15E8DEEB93}"/>
+              </a:ext>
+            </a:extLst>
+          </p:cNvPr>
+          <p:cNvSpPr/>
+          <p:nvPr/>
+        </p:nvSpPr>
+        <p:spPr>
+          <a:xfrm>
+            <a:off x="5459221" y="-632217"/>
+            <a:ext cx="6142013" cy="705026"/>
+          </a:xfrm>
+          <a:prstGeom prst="wedgeRectCallout">
+            <a:avLst>
+              <a:gd name="adj1" fmla="val -34120"/>
+              <a:gd name="adj2" fmla="val 145365"/>
+            </a:avLst>
+          </a:prstGeom>
+          <a:solidFill>
+            <a:schemeClr val="bg1"/>
+          </a:solidFill>
+        </p:spPr>
+        <p:style>
+          <a:lnRef idx="2">
+            <a:schemeClr val="accent1">
+              <a:shade val="50000"/>
+            </a:schemeClr>
+          </a:lnRef>
+          <a:fillRef idx="1">
+            <a:schemeClr val="accent1"/>
+          </a:fillRef>
+          <a:effectRef idx="0">
+            <a:schemeClr val="accent1"/>
+          </a:effectRef>
+          <a:fontRef idx="minor">
+            <a:schemeClr val="lt1"/>
+          </a:fontRef>
+        </p:style>
+        <p:txBody>
+          <a:bodyPr rtlCol="0" anchor="ctr"/>
+          <a:lstStyle/>
+          <a:p>
+            <a:pPr rtl="0"/>
+            <a:r>
+              <a:rPr lang="ja-JP" altLang="en-US" sz="1600" dirty="0">
+                <a:solidFill>
+                  <a:schemeClr val="tx1"/>
+                </a:solidFill>
+              </a:rPr>
+              <a:t>黄色で引いたところの呼応がおかしい気がします。ここで言っている業界構造とは？もしかしたら、後半は違う主語での文章？</a:t>
+            </a:r>
           </a:p>
         </p:txBody>
       </p:sp>
@@ -33996,6 +34133,89 @@
                 <a:schemeClr val="bg1"/>
               </a:solidFill>
             </a:endParaRPr>
+          </a:p>
+        </p:txBody>
+      </p:sp>
+      <p:sp>
+        <p:nvSpPr>
+          <p:cNvPr id="18" name="吹き出し: 四角形 17">
+            <a:extLst>
+              <a:ext uri="{FF2B5EF4-FFF2-40B4-BE49-F238E27FC236}">
+                <a16:creationId xmlns:a16="http://schemas.microsoft.com/office/drawing/2014/main" id="{CCB48D2B-FFE7-EC74-1BF2-EAD19CF55FA2}"/>
+              </a:ext>
+            </a:extLst>
+          </p:cNvPr>
+          <p:cNvSpPr/>
+          <p:nvPr/>
+        </p:nvSpPr>
+        <p:spPr>
+          <a:xfrm>
+            <a:off x="5459221" y="-632217"/>
+            <a:ext cx="6142013" cy="705026"/>
+          </a:xfrm>
+          <a:prstGeom prst="wedgeRectCallout">
+            <a:avLst>
+              <a:gd name="adj1" fmla="val -34120"/>
+              <a:gd name="adj2" fmla="val 145365"/>
+            </a:avLst>
+          </a:prstGeom>
+          <a:solidFill>
+            <a:schemeClr val="bg1"/>
+          </a:solidFill>
+        </p:spPr>
+        <p:style>
+          <a:lnRef idx="2">
+            <a:schemeClr val="accent1">
+              <a:shade val="50000"/>
+            </a:schemeClr>
+          </a:lnRef>
+          <a:fillRef idx="1">
+            <a:schemeClr val="accent1"/>
+          </a:fillRef>
+          <a:effectRef idx="0">
+            <a:schemeClr val="accent1"/>
+          </a:effectRef>
+          <a:fontRef idx="minor">
+            <a:schemeClr val="lt1"/>
+          </a:fontRef>
+        </p:style>
+        <p:txBody>
+          <a:bodyPr rtlCol="0" anchor="ctr"/>
+          <a:lstStyle/>
+          <a:p>
+            <a:pPr rtl="0"/>
+            <a:r>
+              <a:rPr lang="en-US" altLang="ja-JP" sz="1600" dirty="0">
+                <a:solidFill>
+                  <a:schemeClr val="tx1"/>
+                </a:solidFill>
+              </a:rPr>
+              <a:t>p10</a:t>
+            </a:r>
+            <a:r>
+              <a:rPr lang="ja-JP" altLang="en-US" sz="1600" dirty="0">
+                <a:solidFill>
+                  <a:schemeClr val="tx1"/>
+                </a:solidFill>
+              </a:rPr>
+              <a:t>が理解しづらいのですが、文中にある「ボトムアップ」を図中で表すとしたらどうなりますか？左側の指揮命令型の「トップダウン」だけ、</a:t>
+            </a:r>
+            <a:r>
+              <a:rPr lang="en-US" altLang="ja-JP" sz="1600" dirty="0">
+                <a:solidFill>
+                  <a:schemeClr val="tx1"/>
+                </a:solidFill>
+              </a:rPr>
+              <a:t>SoS </a:t>
+            </a:r>
+            <a:r>
+              <a:rPr lang="ja-JP" altLang="en-US" sz="1600" dirty="0">
+                <a:solidFill>
+                  <a:schemeClr val="tx1"/>
+                </a:solidFill>
+              </a:rPr>
+              <a:t>の中でも例外の様に感じます。</a:t>
+            </a:r>
           </a:p>
         </p:txBody>
       </p:sp>
